--- a/Docs/MVVM.pptx
+++ b/Docs/MVVM.pptx
@@ -5,7 +5,7 @@
     <p:sldMasterId id="2147483715" r:id="rId4"/>
   </p:sldMasterIdLst>
   <p:notesMasterIdLst>
-    <p:notesMasterId r:id="rId11"/>
+    <p:notesMasterId r:id="rId12"/>
   </p:notesMasterIdLst>
   <p:sldIdLst>
     <p:sldId id="1945" r:id="rId5"/>
@@ -14,6 +14,7 @@
     <p:sldId id="1983" r:id="rId8"/>
     <p:sldId id="1981" r:id="rId9"/>
     <p:sldId id="1984" r:id="rId10"/>
+    <p:sldId id="1985" r:id="rId11"/>
   </p:sldIdLst>
   <p:sldSz cx="12192000" cy="6858000"/>
   <p:notesSz cx="6858000" cy="9144000"/>
@@ -123,6 +124,7 @@
             <p14:sldId id="1983"/>
             <p14:sldId id="1981"/>
             <p14:sldId id="1984"/>
+            <p14:sldId id="1985"/>
           </p14:sldIdLst>
         </p14:section>
       </p14:sectionLst>
@@ -414,7 +416,7 @@
           <a:p>
             <a:fld id="{18438622-0837-4E9E-A16C-0B0206CE676E}" type="datetimeFigureOut">
               <a:rPr lang="en-US" smtClean="0"/>
-              <a:t>1/15/2024</a:t>
+              <a:t>1/22/2024</a:t>
             </a:fld>
             <a:endParaRPr lang="en-US"/>
           </a:p>
@@ -857,7 +859,7 @@
                 <a:tabLst/>
                 <a:defRPr/>
               </a:pPr>
-              <a:t>1/15/2024 11:00 AM</a:t>
+              <a:t>1/22/2024 12:01 PM</a:t>
             </a:fld>
             <a:endParaRPr kumimoji="0" lang="en-US" sz="1200" b="0" i="0" u="none" strike="noStrike" kern="1200" cap="none" spc="0" normalizeH="0" baseline="0" noProof="0">
               <a:ln>
@@ -1170,7 +1172,7 @@
           <a:p>
             <a:fld id="{D18B56EA-E28F-4F92-9F16-7A6F2501B303}" type="datetime8">
               <a:rPr lang="en-US" smtClean="0"/>
-              <a:t>1/15/2024 11:00 AM</a:t>
+              <a:t>1/22/2024 12:01 PM</a:t>
             </a:fld>
             <a:endParaRPr lang="en-US" dirty="0"/>
           </a:p>
@@ -9059,6 +9061,454 @@
 </p:sld>
 </file>
 
+<file path=ppt/slides/slide7.xml><?xml version="1.0" encoding="utf-8"?>
+<p:sld xmlns:a="http://schemas.openxmlformats.org/drawingml/2006/main" xmlns:r="http://schemas.openxmlformats.org/officeDocument/2006/relationships" xmlns:p="http://schemas.openxmlformats.org/presentationml/2006/main">
+  <p:cSld>
+    <p:spTree>
+      <p:nvGrpSpPr>
+        <p:cNvPr id="1" name=""/>
+        <p:cNvGrpSpPr/>
+        <p:nvPr/>
+      </p:nvGrpSpPr>
+      <p:grpSpPr>
+        <a:xfrm>
+          <a:off x="0" y="0"/>
+          <a:ext cx="0" cy="0"/>
+          <a:chOff x="0" y="0"/>
+          <a:chExt cx="0" cy="0"/>
+        </a:xfrm>
+      </p:grpSpPr>
+      <p:sp>
+        <p:nvSpPr>
+          <p:cNvPr id="2" name="כותרת 1">
+            <a:extLst>
+              <a:ext uri="{FF2B5EF4-FFF2-40B4-BE49-F238E27FC236}">
+                <a16:creationId xmlns:a16="http://schemas.microsoft.com/office/drawing/2014/main" id="{5B1C9383-5FA4-430A-9B95-D157DAC11C19}"/>
+              </a:ext>
+            </a:extLst>
+          </p:cNvPr>
+          <p:cNvSpPr>
+            <a:spLocks noGrp="1"/>
+          </p:cNvSpPr>
+          <p:nvPr>
+            <p:ph type="title"/>
+          </p:nvPr>
+        </p:nvSpPr>
+        <p:spPr>
+          <a:xfrm>
+            <a:off x="269240" y="65392"/>
+            <a:ext cx="11655840" cy="899665"/>
+          </a:xfrm>
+        </p:spPr>
+        <p:txBody>
+          <a:bodyPr/>
+          <a:lstStyle/>
+          <a:p>
+            <a:r>
+              <a:rPr lang="en-US" sz="4400" dirty="0"/>
+              <a:t>Exercise 2</a:t>
+            </a:r>
+            <a:endParaRPr lang="he-IL" sz="4400" dirty="0"/>
+          </a:p>
+        </p:txBody>
+      </p:sp>
+      <p:sp>
+        <p:nvSpPr>
+          <p:cNvPr id="3" name="תיבת טקסט 2">
+            <a:extLst>
+              <a:ext uri="{FF2B5EF4-FFF2-40B4-BE49-F238E27FC236}">
+                <a16:creationId xmlns:a16="http://schemas.microsoft.com/office/drawing/2014/main" id="{4130DC18-A448-4300-ABCE-76B4AF7E6B81}"/>
+              </a:ext>
+            </a:extLst>
+          </p:cNvPr>
+          <p:cNvSpPr txBox="1"/>
+          <p:nvPr/>
+        </p:nvSpPr>
+        <p:spPr>
+          <a:xfrm>
+            <a:off x="522514" y="699249"/>
+            <a:ext cx="6936121" cy="6804940"/>
+          </a:xfrm>
+          <a:prstGeom prst="rect">
+            <a:avLst/>
+          </a:prstGeom>
+          <a:noFill/>
+        </p:spPr>
+        <p:txBody>
+          <a:bodyPr wrap="square" lIns="182880" tIns="146304" rIns="182880" bIns="146304" rtlCol="1">
+            <a:spAutoFit/>
+          </a:bodyPr>
+          <a:lstStyle/>
+          <a:p>
+            <a:pPr marL="342900" indent="-342900">
+              <a:lnSpc>
+                <a:spcPct val="90000"/>
+              </a:lnSpc>
+              <a:spcAft>
+                <a:spcPts val="600"/>
+              </a:spcAft>
+              <a:buFont typeface="Arial" panose="020B0604020202020204" pitchFamily="34" charset="0"/>
+              <a:buChar char="•"/>
+            </a:pPr>
+            <a:r>
+              <a:rPr lang="en-US" sz="2000" dirty="0">
+                <a:gradFill>
+                  <a:gsLst>
+                    <a:gs pos="2917">
+                      <a:schemeClr val="tx1"/>
+                    </a:gs>
+                    <a:gs pos="30000">
+                      <a:schemeClr val="tx1"/>
+                    </a:gs>
+                  </a:gsLst>
+                  <a:lin ang="5400000" scaled="0"/>
+                </a:gradFill>
+              </a:rPr>
+              <a:t>Write an app with a working Login page!</a:t>
+            </a:r>
+          </a:p>
+          <a:p>
+            <a:pPr marL="342900" indent="-342900">
+              <a:lnSpc>
+                <a:spcPct val="90000"/>
+              </a:lnSpc>
+              <a:spcAft>
+                <a:spcPts val="600"/>
+              </a:spcAft>
+              <a:buFont typeface="Arial" panose="020B0604020202020204" pitchFamily="34" charset="0"/>
+              <a:buChar char="•"/>
+            </a:pPr>
+            <a:r>
+              <a:rPr lang="en-US" sz="2000" dirty="0">
+                <a:gradFill>
+                  <a:gsLst>
+                    <a:gs pos="2917">
+                      <a:schemeClr val="tx1"/>
+                    </a:gs>
+                    <a:gs pos="30000">
+                      <a:schemeClr val="tx1"/>
+                    </a:gs>
+                  </a:gsLst>
+                  <a:lin ang="5400000" scaled="0"/>
+                </a:gradFill>
+              </a:rPr>
+              <a:t>Steps:</a:t>
+            </a:r>
+          </a:p>
+          <a:p>
+            <a:pPr marL="800100" lvl="1" indent="-342900">
+              <a:lnSpc>
+                <a:spcPct val="90000"/>
+              </a:lnSpc>
+              <a:spcAft>
+                <a:spcPts val="600"/>
+              </a:spcAft>
+              <a:buFont typeface="Arial" panose="020B0604020202020204" pitchFamily="34" charset="0"/>
+              <a:buChar char="•"/>
+            </a:pPr>
+            <a:r>
+              <a:rPr lang="en-US" sz="2000" dirty="0">
+                <a:gradFill>
+                  <a:gsLst>
+                    <a:gs pos="2917">
+                      <a:schemeClr val="tx1"/>
+                    </a:gs>
+                    <a:gs pos="30000">
+                      <a:schemeClr val="tx1"/>
+                    </a:gs>
+                  </a:gsLst>
+                  <a:lin ang="5400000" scaled="0"/>
+                </a:gradFill>
+              </a:rPr>
+              <a:t>Design the Login page on paper. It should include labels and Entries for user name and password. It should also include buttons for login and cancel, and another label for messages. Upon clicking the login button the message label should be green if the login succeeded and say: “Login succeeded!” or red if the login failed and say “Login Failed!”</a:t>
+            </a:r>
+          </a:p>
+          <a:p>
+            <a:pPr marL="800100" lvl="1" indent="-342900">
+              <a:lnSpc>
+                <a:spcPct val="90000"/>
+              </a:lnSpc>
+              <a:spcAft>
+                <a:spcPts val="600"/>
+              </a:spcAft>
+              <a:buFont typeface="Arial" panose="020B0604020202020204" pitchFamily="34" charset="0"/>
+              <a:buChar char="•"/>
+            </a:pPr>
+            <a:r>
+              <a:rPr lang="en-US" sz="2000" dirty="0">
+                <a:gradFill>
+                  <a:gsLst>
+                    <a:gs pos="2917">
+                      <a:schemeClr val="tx1"/>
+                    </a:gs>
+                    <a:gs pos="30000">
+                      <a:schemeClr val="tx1"/>
+                    </a:gs>
+                  </a:gsLst>
+                  <a:lin ang="5400000" scaled="0"/>
+                </a:gradFill>
+              </a:rPr>
+              <a:t>Write a User class with username and password properties.</a:t>
+            </a:r>
+          </a:p>
+          <a:p>
+            <a:pPr marL="800100" lvl="1" indent="-342900">
+              <a:lnSpc>
+                <a:spcPct val="90000"/>
+              </a:lnSpc>
+              <a:spcAft>
+                <a:spcPts val="600"/>
+              </a:spcAft>
+              <a:buFont typeface="Arial" panose="020B0604020202020204" pitchFamily="34" charset="0"/>
+              <a:buChar char="•"/>
+            </a:pPr>
+            <a:r>
+              <a:rPr lang="en-US" sz="2000" dirty="0">
+                <a:gradFill>
+                  <a:gsLst>
+                    <a:gs pos="2917">
+                      <a:schemeClr val="tx1"/>
+                    </a:gs>
+                    <a:gs pos="30000">
+                      <a:schemeClr val="tx1"/>
+                    </a:gs>
+                  </a:gsLst>
+                  <a:lin ang="5400000" scaled="0"/>
+                </a:gradFill>
+              </a:rPr>
+              <a:t>Write a service class. In the class define a list of users and initialize the list with few users. The class should include a Login method that gets a User object and return true if login succeeded or false otherwise</a:t>
+            </a:r>
+          </a:p>
+          <a:p>
+            <a:pPr marL="800100" lvl="1" indent="-342900">
+              <a:lnSpc>
+                <a:spcPct val="90000"/>
+              </a:lnSpc>
+              <a:spcAft>
+                <a:spcPts val="600"/>
+              </a:spcAft>
+              <a:buFont typeface="Arial" panose="020B0604020202020204" pitchFamily="34" charset="0"/>
+              <a:buChar char="•"/>
+            </a:pPr>
+            <a:r>
+              <a:rPr lang="en-US" sz="2000" dirty="0">
+                <a:gradFill>
+                  <a:gsLst>
+                    <a:gs pos="2917">
+                      <a:schemeClr val="tx1"/>
+                    </a:gs>
+                    <a:gs pos="30000">
+                      <a:schemeClr val="tx1"/>
+                    </a:gs>
+                  </a:gsLst>
+                  <a:lin ang="5400000" scaled="0"/>
+                </a:gradFill>
+              </a:rPr>
+              <a:t>Write a View Model for the page with all the logic</a:t>
+            </a:r>
+          </a:p>
+          <a:p>
+            <a:pPr marL="800100" lvl="1" indent="-342900">
+              <a:lnSpc>
+                <a:spcPct val="90000"/>
+              </a:lnSpc>
+              <a:spcAft>
+                <a:spcPts val="600"/>
+              </a:spcAft>
+              <a:buFont typeface="Arial" panose="020B0604020202020204" pitchFamily="34" charset="0"/>
+              <a:buChar char="•"/>
+            </a:pPr>
+            <a:r>
+              <a:rPr lang="en-US" sz="2000" dirty="0">
+                <a:gradFill>
+                  <a:gsLst>
+                    <a:gs pos="2917">
+                      <a:schemeClr val="tx1"/>
+                    </a:gs>
+                    <a:gs pos="30000">
+                      <a:schemeClr val="tx1"/>
+                    </a:gs>
+                  </a:gsLst>
+                  <a:lin ang="5400000" scaled="0"/>
+                </a:gradFill>
+              </a:rPr>
+              <a:t>Write the page </a:t>
+            </a:r>
+            <a:r>
+              <a:rPr lang="en-US" sz="2000" dirty="0" err="1">
+                <a:gradFill>
+                  <a:gsLst>
+                    <a:gs pos="2917">
+                      <a:schemeClr val="tx1"/>
+                    </a:gs>
+                    <a:gs pos="30000">
+                      <a:schemeClr val="tx1"/>
+                    </a:gs>
+                  </a:gsLst>
+                  <a:lin ang="5400000" scaled="0"/>
+                </a:gradFill>
+              </a:rPr>
+              <a:t>Xaml</a:t>
+            </a:r>
+            <a:r>
+              <a:rPr lang="en-US" sz="2000" dirty="0">
+                <a:gradFill>
+                  <a:gsLst>
+                    <a:gs pos="2917">
+                      <a:schemeClr val="tx1"/>
+                    </a:gs>
+                    <a:gs pos="30000">
+                      <a:schemeClr val="tx1"/>
+                    </a:gs>
+                  </a:gsLst>
+                  <a:lin ang="5400000" scaled="0"/>
+                </a:gradFill>
+              </a:rPr>
+              <a:t> and class</a:t>
+            </a:r>
+          </a:p>
+          <a:p>
+            <a:pPr marL="342900" indent="-342900">
+              <a:lnSpc>
+                <a:spcPct val="90000"/>
+              </a:lnSpc>
+              <a:spcAft>
+                <a:spcPts val="600"/>
+              </a:spcAft>
+              <a:buFont typeface="Arial" panose="020B0604020202020204" pitchFamily="34" charset="0"/>
+              <a:buChar char="•"/>
+            </a:pPr>
+            <a:endParaRPr lang="en-US" sz="2000" dirty="0">
+              <a:gradFill>
+                <a:gsLst>
+                  <a:gs pos="2917">
+                    <a:schemeClr val="tx1"/>
+                  </a:gs>
+                  <a:gs pos="30000">
+                    <a:schemeClr val="tx1"/>
+                  </a:gs>
+                </a:gsLst>
+                <a:lin ang="5400000" scaled="0"/>
+              </a:gradFill>
+            </a:endParaRPr>
+          </a:p>
+          <a:p>
+            <a:pPr marL="342900" indent="-342900">
+              <a:lnSpc>
+                <a:spcPct val="90000"/>
+              </a:lnSpc>
+              <a:spcAft>
+                <a:spcPts val="600"/>
+              </a:spcAft>
+              <a:buFont typeface="Arial" panose="020B0604020202020204" pitchFamily="34" charset="0"/>
+              <a:buChar char="•"/>
+            </a:pPr>
+            <a:endParaRPr lang="en-US" sz="2000" dirty="0">
+              <a:gradFill>
+                <a:gsLst>
+                  <a:gs pos="2917">
+                    <a:schemeClr val="tx1"/>
+                  </a:gs>
+                  <a:gs pos="30000">
+                    <a:schemeClr val="tx1"/>
+                  </a:gs>
+                </a:gsLst>
+                <a:lin ang="5400000" scaled="0"/>
+              </a:gradFill>
+            </a:endParaRPr>
+          </a:p>
+          <a:p>
+            <a:pPr marL="342900" indent="-342900">
+              <a:lnSpc>
+                <a:spcPct val="90000"/>
+              </a:lnSpc>
+              <a:spcAft>
+                <a:spcPts val="600"/>
+              </a:spcAft>
+              <a:buFont typeface="Arial" panose="020B0604020202020204" pitchFamily="34" charset="0"/>
+              <a:buChar char="•"/>
+            </a:pPr>
+            <a:endParaRPr lang="en-US" sz="2000" dirty="0">
+              <a:gradFill>
+                <a:gsLst>
+                  <a:gs pos="2917">
+                    <a:schemeClr val="tx1"/>
+                  </a:gs>
+                  <a:gs pos="30000">
+                    <a:schemeClr val="tx1"/>
+                  </a:gs>
+                </a:gsLst>
+                <a:lin ang="5400000" scaled="0"/>
+              </a:gradFill>
+            </a:endParaRPr>
+          </a:p>
+        </p:txBody>
+      </p:sp>
+      <p:sp>
+        <p:nvSpPr>
+          <p:cNvPr id="8" name="תיבת טקסט 7">
+            <a:extLst>
+              <a:ext uri="{FF2B5EF4-FFF2-40B4-BE49-F238E27FC236}">
+                <a16:creationId xmlns:a16="http://schemas.microsoft.com/office/drawing/2014/main" id="{499BB2C7-BF22-4605-BFD5-0E26841CA0C4}"/>
+              </a:ext>
+            </a:extLst>
+          </p:cNvPr>
+          <p:cNvSpPr txBox="1"/>
+          <p:nvPr/>
+        </p:nvSpPr>
+        <p:spPr>
+          <a:xfrm>
+            <a:off x="656985" y="3845859"/>
+            <a:ext cx="11094098" cy="572464"/>
+          </a:xfrm>
+          <a:prstGeom prst="rect">
+            <a:avLst/>
+          </a:prstGeom>
+          <a:noFill/>
+        </p:spPr>
+        <p:txBody>
+          <a:bodyPr wrap="square" lIns="182880" tIns="146304" rIns="182880" bIns="146304" rtlCol="1">
+            <a:spAutoFit/>
+          </a:bodyPr>
+          <a:lstStyle/>
+          <a:p>
+            <a:pPr>
+              <a:lnSpc>
+                <a:spcPct val="90000"/>
+              </a:lnSpc>
+              <a:spcAft>
+                <a:spcPts val="600"/>
+              </a:spcAft>
+            </a:pPr>
+            <a:endParaRPr lang="en-US" sz="2000" dirty="0">
+              <a:gradFill>
+                <a:gsLst>
+                  <a:gs pos="2917">
+                    <a:schemeClr val="tx1"/>
+                  </a:gs>
+                  <a:gs pos="30000">
+                    <a:schemeClr val="tx1"/>
+                  </a:gs>
+                </a:gsLst>
+                <a:lin ang="5400000" scaled="0"/>
+              </a:gradFill>
+            </a:endParaRPr>
+          </a:p>
+        </p:txBody>
+      </p:sp>
+    </p:spTree>
+    <p:extLst>
+      <p:ext uri="{BB962C8B-B14F-4D97-AF65-F5344CB8AC3E}">
+        <p14:creationId xmlns:p14="http://schemas.microsoft.com/office/powerpoint/2010/main" val="3767795441"/>
+      </p:ext>
+    </p:extLst>
+  </p:cSld>
+  <p:clrMapOvr>
+    <a:masterClrMapping/>
+  </p:clrMapOvr>
+</p:sld>
+</file>
+
 <file path=ppt/theme/theme1.xml><?xml version="1.0" encoding="utf-8"?>
 <a:theme xmlns:a="http://schemas.openxmlformats.org/drawingml/2006/main" name="Dotnet_Template">
   <a:themeElements>
@@ -9657,6 +10107,33 @@
 </file>
 
 <file path=customXml/item1.xml><?xml version="1.0" encoding="utf-8"?>
+<p:properties xmlns:p="http://schemas.microsoft.com/office/2006/metadata/properties" xmlns:xsi="http://www.w3.org/2001/XMLSchema-instance" xmlns:pc="http://schemas.microsoft.com/office/infopath/2007/PartnerControls">
+  <documentManagement>
+    <_ip_UnifiedCompliancePolicyProperties xmlns="http://schemas.microsoft.com/sharepoint/v3" xsi:nil="true"/>
+    <_ip_UnifiedCompliancePolicyUIAction xmlns="http://schemas.microsoft.com/sharepoint/v3" xsi:nil="true"/>
+    <LastSharedByUser xmlns="11245976-3b4d-4794-a754-317688483df2">jogallow@microsoft.com</LastSharedByUser>
+    <SharedWithUsers xmlns="11245976-3b4d-4794-a754-317688483df2">
+      <UserInfo>
+        <DisplayName>Martin Woodward</DisplayName>
+        <AccountId>67</AccountId>
+        <AccountType/>
+      </UserInfo>
+    </SharedWithUsers>
+    <LastSharedByTime xmlns="11245976-3b4d-4794-a754-317688483df2">2018-03-16T04:12:59+00:00</LastSharedByTime>
+  </documentManagement>
+</p:properties>
+</file>
+
+<file path=customXml/item2.xml><?xml version="1.0" encoding="utf-8"?>
+<?mso-contentType ?>
+<FormTemplates xmlns="http://schemas.microsoft.com/sharepoint/v3/contenttype/forms">
+  <Display>DocumentLibraryForm</Display>
+  <Edit>DocumentLibraryForm</Edit>
+  <New>DocumentLibraryForm</New>
+</FormTemplates>
+</file>
+
+<file path=customXml/item3.xml><?xml version="1.0" encoding="utf-8"?>
 <ct:contentTypeSchema xmlns:ct="http://schemas.microsoft.com/office/2006/metadata/contentType" xmlns:ma="http://schemas.microsoft.com/office/2006/metadata/properties/metaAttributes" ct:_="" ma:_="" ma:contentTypeName="Document" ma:contentTypeID="0x01010022F88B0CCF1BBA489747F146E6B5E06D" ma:contentTypeVersion="15" ma:contentTypeDescription="Create a new document." ma:contentTypeScope="" ma:versionID="3a81cc4177a2cfbc51d69d3922f78c36">
   <xsd:schema xmlns:xsd="http://www.w3.org/2001/XMLSchema" xmlns:xs="http://www.w3.org/2001/XMLSchema" xmlns:p="http://schemas.microsoft.com/office/2006/metadata/properties" xmlns:ns1="http://schemas.microsoft.com/sharepoint/v3" xmlns:ns2="569b343d-e775-480b-9b2b-6a6986deb9b0" xmlns:ns3="11245976-3b4d-4794-a754-317688483df2" targetNamespace="http://schemas.microsoft.com/office/2006/metadata/properties" ma:root="true" ma:fieldsID="b609d5801db63fe484c47c44deb589b2" ns1:_="" ns2:_="" ns3:_="">
     <xsd:import namespace="http://schemas.microsoft.com/sharepoint/v3"/>
@@ -9896,34 +10373,26 @@
 </ct:contentTypeSchema>
 </file>
 
-<file path=customXml/item2.xml><?xml version="1.0" encoding="utf-8"?>
-<?mso-contentType ?>
-<FormTemplates xmlns="http://schemas.microsoft.com/sharepoint/v3/contenttype/forms">
-  <Display>DocumentLibraryForm</Display>
-  <Edit>DocumentLibraryForm</Edit>
-  <New>DocumentLibraryForm</New>
-</FormTemplates>
+<file path=customXml/itemProps1.xml><?xml version="1.0" encoding="utf-8"?>
+<ds:datastoreItem xmlns:ds="http://schemas.openxmlformats.org/officeDocument/2006/customXml" ds:itemID="{D23E43D6-DB2F-4C33-A8C8-D28F777A5DE7}">
+  <ds:schemaRefs>
+    <ds:schemaRef ds:uri="http://schemas.microsoft.com/office/2006/metadata/properties"/>
+    <ds:schemaRef ds:uri="http://schemas.microsoft.com/office/infopath/2007/PartnerControls"/>
+    <ds:schemaRef ds:uri="http://schemas.microsoft.com/sharepoint/v3"/>
+    <ds:schemaRef ds:uri="11245976-3b4d-4794-a754-317688483df2"/>
+  </ds:schemaRefs>
+</ds:datastoreItem>
 </file>
 
-<file path=customXml/item3.xml><?xml version="1.0" encoding="utf-8"?>
-<p:properties xmlns:p="http://schemas.microsoft.com/office/2006/metadata/properties" xmlns:xsi="http://www.w3.org/2001/XMLSchema-instance" xmlns:pc="http://schemas.microsoft.com/office/infopath/2007/PartnerControls">
-  <documentManagement>
-    <_ip_UnifiedCompliancePolicyProperties xmlns="http://schemas.microsoft.com/sharepoint/v3" xsi:nil="true"/>
-    <_ip_UnifiedCompliancePolicyUIAction xmlns="http://schemas.microsoft.com/sharepoint/v3" xsi:nil="true"/>
-    <LastSharedByUser xmlns="11245976-3b4d-4794-a754-317688483df2">jogallow@microsoft.com</LastSharedByUser>
-    <SharedWithUsers xmlns="11245976-3b4d-4794-a754-317688483df2">
-      <UserInfo>
-        <DisplayName>Martin Woodward</DisplayName>
-        <AccountId>67</AccountId>
-        <AccountType/>
-      </UserInfo>
-    </SharedWithUsers>
-    <LastSharedByTime xmlns="11245976-3b4d-4794-a754-317688483df2">2018-03-16T04:12:59+00:00</LastSharedByTime>
-  </documentManagement>
-</p:properties>
+<file path=customXml/itemProps2.xml><?xml version="1.0" encoding="utf-8"?>
+<ds:datastoreItem xmlns:ds="http://schemas.openxmlformats.org/officeDocument/2006/customXml" ds:itemID="{093821A7-5528-48BE-BD00-067FBFDD28D5}">
+  <ds:schemaRefs>
+    <ds:schemaRef ds:uri="http://schemas.microsoft.com/sharepoint/v3/contenttype/forms"/>
+  </ds:schemaRefs>
+</ds:datastoreItem>
 </file>
 
-<file path=customXml/itemProps1.xml><?xml version="1.0" encoding="utf-8"?>
+<file path=customXml/itemProps3.xml><?xml version="1.0" encoding="utf-8"?>
 <ds:datastoreItem xmlns:ds="http://schemas.openxmlformats.org/officeDocument/2006/customXml" ds:itemID="{3EC7A57B-883B-4750-9166-6F76DB12FD37}">
   <ds:schemaRefs>
     <ds:schemaRef ds:uri="http://schemas.microsoft.com/office/2006/metadata/contentType"/>
@@ -9941,23 +10410,4 @@
     <ds:schemaRef ds:uri="http://schemas.microsoft.com/internal/obd"/>
   </ds:schemaRefs>
 </ds:datastoreItem>
-</file>
-
-<file path=customXml/itemProps2.xml><?xml version="1.0" encoding="utf-8"?>
-<ds:datastoreItem xmlns:ds="http://schemas.openxmlformats.org/officeDocument/2006/customXml" ds:itemID="{093821A7-5528-48BE-BD00-067FBFDD28D5}">
-  <ds:schemaRefs>
-    <ds:schemaRef ds:uri="http://schemas.microsoft.com/sharepoint/v3/contenttype/forms"/>
-  </ds:schemaRefs>
-</ds:datastoreItem>
-</file>
-
-<file path=customXml/itemProps3.xml><?xml version="1.0" encoding="utf-8"?>
-<ds:datastoreItem xmlns:ds="http://schemas.openxmlformats.org/officeDocument/2006/customXml" ds:itemID="{D23E43D6-DB2F-4C33-A8C8-D28F777A5DE7}">
-  <ds:schemaRefs>
-    <ds:schemaRef ds:uri="http://schemas.microsoft.com/office/2006/metadata/properties"/>
-    <ds:schemaRef ds:uri="http://schemas.microsoft.com/office/infopath/2007/PartnerControls"/>
-    <ds:schemaRef ds:uri="http://schemas.microsoft.com/sharepoint/v3"/>
-    <ds:schemaRef ds:uri="11245976-3b4d-4794-a754-317688483df2"/>
-  </ds:schemaRefs>
-</ds:datastoreItem>
 </file>